--- a/graphics/graphics.pptx
+++ b/graphics/graphics.pptx
@@ -6,6 +6,7 @@
   </p:sldMasterIdLst>
   <p:sldIdLst>
     <p:sldId id="256" r:id="rId2"/>
+    <p:sldId id="257" r:id="rId3"/>
   </p:sldIdLst>
   <p:sldSz cx="12192000" cy="6858000"/>
   <p:notesSz cx="6858000" cy="9144000"/>
@@ -104,6 +105,11 @@
       </a:defRPr>
     </a:lvl9pPr>
   </p:defaultTextStyle>
+  <p:extLst>
+    <p:ext uri="{EFAFB233-063F-42B5-8137-9DF3F51BA10A}">
+      <p15:sldGuideLst xmlns:p15="http://schemas.microsoft.com/office/powerpoint/2012/main"/>
+    </p:ext>
+  </p:extLst>
 </p:presentation>
 </file>
 
@@ -254,7 +260,7 @@
           <a:p>
             <a:fld id="{F029AC13-4324-FA42-95DE-A805E72DB70F}" type="datetimeFigureOut">
               <a:rPr lang="en-US" smtClean="0"/>
-              <a:t>8/22/19</a:t>
+              <a:t>9/3/19</a:t>
             </a:fld>
             <a:endParaRPr lang="en-US"/>
           </a:p>
@@ -452,7 +458,7 @@
           <a:p>
             <a:fld id="{F029AC13-4324-FA42-95DE-A805E72DB70F}" type="datetimeFigureOut">
               <a:rPr lang="en-US" smtClean="0"/>
-              <a:t>8/22/19</a:t>
+              <a:t>9/3/19</a:t>
             </a:fld>
             <a:endParaRPr lang="en-US"/>
           </a:p>
@@ -660,7 +666,7 @@
           <a:p>
             <a:fld id="{F029AC13-4324-FA42-95DE-A805E72DB70F}" type="datetimeFigureOut">
               <a:rPr lang="en-US" smtClean="0"/>
-              <a:t>8/22/19</a:t>
+              <a:t>9/3/19</a:t>
             </a:fld>
             <a:endParaRPr lang="en-US"/>
           </a:p>
@@ -858,7 +864,7 @@
           <a:p>
             <a:fld id="{F029AC13-4324-FA42-95DE-A805E72DB70F}" type="datetimeFigureOut">
               <a:rPr lang="en-US" smtClean="0"/>
-              <a:t>8/22/19</a:t>
+              <a:t>9/3/19</a:t>
             </a:fld>
             <a:endParaRPr lang="en-US"/>
           </a:p>
@@ -1133,7 +1139,7 @@
           <a:p>
             <a:fld id="{F029AC13-4324-FA42-95DE-A805E72DB70F}" type="datetimeFigureOut">
               <a:rPr lang="en-US" smtClean="0"/>
-              <a:t>8/22/19</a:t>
+              <a:t>9/3/19</a:t>
             </a:fld>
             <a:endParaRPr lang="en-US"/>
           </a:p>
@@ -1398,7 +1404,7 @@
           <a:p>
             <a:fld id="{F029AC13-4324-FA42-95DE-A805E72DB70F}" type="datetimeFigureOut">
               <a:rPr lang="en-US" smtClean="0"/>
-              <a:t>8/22/19</a:t>
+              <a:t>9/3/19</a:t>
             </a:fld>
             <a:endParaRPr lang="en-US"/>
           </a:p>
@@ -1810,7 +1816,7 @@
           <a:p>
             <a:fld id="{F029AC13-4324-FA42-95DE-A805E72DB70F}" type="datetimeFigureOut">
               <a:rPr lang="en-US" smtClean="0"/>
-              <a:t>8/22/19</a:t>
+              <a:t>9/3/19</a:t>
             </a:fld>
             <a:endParaRPr lang="en-US"/>
           </a:p>
@@ -1951,7 +1957,7 @@
           <a:p>
             <a:fld id="{F029AC13-4324-FA42-95DE-A805E72DB70F}" type="datetimeFigureOut">
               <a:rPr lang="en-US" smtClean="0"/>
-              <a:t>8/22/19</a:t>
+              <a:t>9/3/19</a:t>
             </a:fld>
             <a:endParaRPr lang="en-US"/>
           </a:p>
@@ -2064,7 +2070,7 @@
           <a:p>
             <a:fld id="{F029AC13-4324-FA42-95DE-A805E72DB70F}" type="datetimeFigureOut">
               <a:rPr lang="en-US" smtClean="0"/>
-              <a:t>8/22/19</a:t>
+              <a:t>9/3/19</a:t>
             </a:fld>
             <a:endParaRPr lang="en-US"/>
           </a:p>
@@ -2375,7 +2381,7 @@
           <a:p>
             <a:fld id="{F029AC13-4324-FA42-95DE-A805E72DB70F}" type="datetimeFigureOut">
               <a:rPr lang="en-US" smtClean="0"/>
-              <a:t>8/22/19</a:t>
+              <a:t>9/3/19</a:t>
             </a:fld>
             <a:endParaRPr lang="en-US"/>
           </a:p>
@@ -2663,7 +2669,7 @@
           <a:p>
             <a:fld id="{F029AC13-4324-FA42-95DE-A805E72DB70F}" type="datetimeFigureOut">
               <a:rPr lang="en-US" smtClean="0"/>
-              <a:t>8/22/19</a:t>
+              <a:t>9/3/19</a:t>
             </a:fld>
             <a:endParaRPr lang="en-US"/>
           </a:p>
@@ -2904,7 +2910,7 @@
           <a:p>
             <a:fld id="{F029AC13-4324-FA42-95DE-A805E72DB70F}" type="datetimeFigureOut">
               <a:rPr lang="en-US" smtClean="0"/>
-              <a:t>8/22/19</a:t>
+              <a:t>9/3/19</a:t>
             </a:fld>
             <a:endParaRPr lang="en-US"/>
           </a:p>
@@ -3533,6 +3539,254 @@
 </p:sld>
 </file>
 
+<file path=ppt/slides/slide2.xml><?xml version="1.0" encoding="utf-8"?>
+<p:sld xmlns:a="http://schemas.openxmlformats.org/drawingml/2006/main" xmlns:r="http://schemas.openxmlformats.org/officeDocument/2006/relationships" xmlns:p="http://schemas.openxmlformats.org/presentationml/2006/main">
+  <p:cSld>
+    <p:spTree>
+      <p:nvGrpSpPr>
+        <p:cNvPr id="1" name=""/>
+        <p:cNvGrpSpPr/>
+        <p:nvPr/>
+      </p:nvGrpSpPr>
+      <p:grpSpPr>
+        <a:xfrm>
+          <a:off x="0" y="0"/>
+          <a:ext cx="0" cy="0"/>
+          <a:chOff x="0" y="0"/>
+          <a:chExt cx="0" cy="0"/>
+        </a:xfrm>
+      </p:grpSpPr>
+      <p:sp>
+        <p:nvSpPr>
+          <p:cNvPr id="3" name="Rectangle 2">
+            <a:extLst>
+              <a:ext uri="{FF2B5EF4-FFF2-40B4-BE49-F238E27FC236}">
+                <a16:creationId xmlns:a16="http://schemas.microsoft.com/office/drawing/2014/main" id="{3B5CDA34-FA59-4B43-B7B6-68EA9F642B47}"/>
+              </a:ext>
+            </a:extLst>
+          </p:cNvPr>
+          <p:cNvSpPr/>
+          <p:nvPr/>
+        </p:nvSpPr>
+        <p:spPr>
+          <a:xfrm>
+            <a:off x="0" y="0"/>
+            <a:ext cx="12192000" cy="6858000"/>
+          </a:xfrm>
+          <a:prstGeom prst="rect">
+            <a:avLst/>
+          </a:prstGeom>
+          <a:solidFill>
+            <a:schemeClr val="tx1"/>
+          </a:solidFill>
+          <a:ln>
+            <a:noFill/>
+          </a:ln>
+        </p:spPr>
+        <p:style>
+          <a:lnRef idx="2">
+            <a:schemeClr val="accent1">
+              <a:shade val="50000"/>
+            </a:schemeClr>
+          </a:lnRef>
+          <a:fillRef idx="1">
+            <a:schemeClr val="accent1"/>
+          </a:fillRef>
+          <a:effectRef idx="0">
+            <a:schemeClr val="accent1"/>
+          </a:effectRef>
+          <a:fontRef idx="minor">
+            <a:schemeClr val="lt1"/>
+          </a:fontRef>
+        </p:style>
+        <p:txBody>
+          <a:bodyPr rtlCol="0" anchor="ctr"/>
+          <a:lstStyle/>
+          <a:p>
+            <a:pPr algn="ctr"/>
+            <a:endParaRPr lang="en-US"/>
+          </a:p>
+        </p:txBody>
+      </p:sp>
+      <p:sp>
+        <p:nvSpPr>
+          <p:cNvPr id="2" name="Diamond 1">
+            <a:extLst>
+              <a:ext uri="{FF2B5EF4-FFF2-40B4-BE49-F238E27FC236}">
+                <a16:creationId xmlns:a16="http://schemas.microsoft.com/office/drawing/2014/main" id="{62DB1606-7396-8349-B226-B2BBB37103BB}"/>
+              </a:ext>
+            </a:extLst>
+          </p:cNvPr>
+          <p:cNvSpPr/>
+          <p:nvPr/>
+        </p:nvSpPr>
+        <p:spPr>
+          <a:xfrm>
+            <a:off x="3313951" y="446315"/>
+            <a:ext cx="5564098" cy="1937657"/>
+          </a:xfrm>
+          <a:prstGeom prst="diamond">
+            <a:avLst/>
+          </a:prstGeom>
+          <a:solidFill>
+            <a:srgbClr val="990000"/>
+          </a:solidFill>
+          <a:ln w="152400" cap="flat">
+            <a:solidFill>
+              <a:schemeClr val="bg1"/>
+            </a:solidFill>
+          </a:ln>
+        </p:spPr>
+        <p:style>
+          <a:lnRef idx="2">
+            <a:schemeClr val="accent1">
+              <a:shade val="50000"/>
+            </a:schemeClr>
+          </a:lnRef>
+          <a:fillRef idx="1">
+            <a:schemeClr val="accent1"/>
+          </a:fillRef>
+          <a:effectRef idx="0">
+            <a:schemeClr val="accent1"/>
+          </a:effectRef>
+          <a:fontRef idx="minor">
+            <a:schemeClr val="lt1"/>
+          </a:fontRef>
+        </p:style>
+        <p:txBody>
+          <a:bodyPr rtlCol="0" anchor="ctr"/>
+          <a:lstStyle/>
+          <a:p>
+            <a:pPr algn="ctr"/>
+            <a:endParaRPr lang="en-US" dirty="0"/>
+          </a:p>
+        </p:txBody>
+      </p:sp>
+      <p:sp>
+        <p:nvSpPr>
+          <p:cNvPr id="4" name="Parallelogram 3">
+            <a:extLst>
+              <a:ext uri="{FF2B5EF4-FFF2-40B4-BE49-F238E27FC236}">
+                <a16:creationId xmlns:a16="http://schemas.microsoft.com/office/drawing/2014/main" id="{A3AFD89E-DF22-B44A-A8FE-2325C7EACEAE}"/>
+              </a:ext>
+            </a:extLst>
+          </p:cNvPr>
+          <p:cNvSpPr/>
+          <p:nvPr/>
+        </p:nvSpPr>
+        <p:spPr>
+          <a:xfrm rot="5400000">
+            <a:off x="2440780" y="2246203"/>
+            <a:ext cx="4386260" cy="2924176"/>
+          </a:xfrm>
+          <a:prstGeom prst="parallelogram">
+            <a:avLst>
+              <a:gd name="adj" fmla="val 34781"/>
+            </a:avLst>
+          </a:prstGeom>
+          <a:solidFill>
+            <a:srgbClr val="990000"/>
+          </a:solidFill>
+          <a:ln w="152400">
+            <a:solidFill>
+              <a:schemeClr val="bg1"/>
+            </a:solidFill>
+          </a:ln>
+        </p:spPr>
+        <p:style>
+          <a:lnRef idx="2">
+            <a:schemeClr val="accent1">
+              <a:shade val="50000"/>
+            </a:schemeClr>
+          </a:lnRef>
+          <a:fillRef idx="1">
+            <a:schemeClr val="accent1"/>
+          </a:fillRef>
+          <a:effectRef idx="0">
+            <a:schemeClr val="accent1"/>
+          </a:effectRef>
+          <a:fontRef idx="minor">
+            <a:schemeClr val="lt1"/>
+          </a:fontRef>
+        </p:style>
+        <p:txBody>
+          <a:bodyPr rtlCol="0" anchor="ctr"/>
+          <a:lstStyle/>
+          <a:p>
+            <a:pPr algn="ctr"/>
+            <a:endParaRPr lang="en-US" dirty="0"/>
+          </a:p>
+        </p:txBody>
+      </p:sp>
+      <p:sp>
+        <p:nvSpPr>
+          <p:cNvPr id="5" name="Parallelogram 4">
+            <a:extLst>
+              <a:ext uri="{FF2B5EF4-FFF2-40B4-BE49-F238E27FC236}">
+                <a16:creationId xmlns:a16="http://schemas.microsoft.com/office/drawing/2014/main" id="{F3A85F84-EA64-9E43-90AF-988369C35FA1}"/>
+              </a:ext>
+            </a:extLst>
+          </p:cNvPr>
+          <p:cNvSpPr/>
+          <p:nvPr/>
+        </p:nvSpPr>
+        <p:spPr>
+          <a:xfrm rot="16200000" flipH="1">
+            <a:off x="5361828" y="2249332"/>
+            <a:ext cx="4400548" cy="2932207"/>
+          </a:xfrm>
+          <a:prstGeom prst="parallelogram">
+            <a:avLst>
+              <a:gd name="adj" fmla="val 34781"/>
+            </a:avLst>
+          </a:prstGeom>
+          <a:solidFill>
+            <a:srgbClr val="990000"/>
+          </a:solidFill>
+          <a:ln w="152400">
+            <a:solidFill>
+              <a:schemeClr val="bg1"/>
+            </a:solidFill>
+          </a:ln>
+        </p:spPr>
+        <p:style>
+          <a:lnRef idx="2">
+            <a:schemeClr val="accent1">
+              <a:shade val="50000"/>
+            </a:schemeClr>
+          </a:lnRef>
+          <a:fillRef idx="1">
+            <a:schemeClr val="accent1"/>
+          </a:fillRef>
+          <a:effectRef idx="0">
+            <a:schemeClr val="accent1"/>
+          </a:effectRef>
+          <a:fontRef idx="minor">
+            <a:schemeClr val="lt1"/>
+          </a:fontRef>
+        </p:style>
+        <p:txBody>
+          <a:bodyPr rtlCol="0" anchor="ctr"/>
+          <a:lstStyle/>
+          <a:p>
+            <a:pPr algn="ctr"/>
+            <a:endParaRPr lang="en-US" dirty="0"/>
+          </a:p>
+        </p:txBody>
+      </p:sp>
+    </p:spTree>
+    <p:extLst>
+      <p:ext uri="{BB962C8B-B14F-4D97-AF65-F5344CB8AC3E}">
+        <p14:creationId xmlns:p14="http://schemas.microsoft.com/office/powerpoint/2010/main" val="2703614770"/>
+      </p:ext>
+    </p:extLst>
+  </p:cSld>
+  <p:clrMapOvr>
+    <a:masterClrMapping/>
+  </p:clrMapOvr>
+</p:sld>
+</file>
+
 <file path=ppt/theme/theme1.xml><?xml version="1.0" encoding="utf-8"?>
 <a:theme xmlns:a="http://schemas.openxmlformats.org/drawingml/2006/main" name="Office Theme">
   <a:themeElements>

--- a/graphics/graphics.pptx
+++ b/graphics/graphics.pptx
@@ -6,7 +6,8 @@
   </p:sldMasterIdLst>
   <p:sldIdLst>
     <p:sldId id="256" r:id="rId2"/>
-    <p:sldId id="257" r:id="rId3"/>
+    <p:sldId id="258" r:id="rId3"/>
+    <p:sldId id="257" r:id="rId4"/>
   </p:sldIdLst>
   <p:sldSz cx="12192000" cy="6858000"/>
   <p:notesSz cx="6858000" cy="9144000"/>
@@ -3558,6 +3559,187 @@
       </p:grpSpPr>
       <p:sp>
         <p:nvSpPr>
+          <p:cNvPr id="9" name="Rectangle 8">
+            <a:extLst>
+              <a:ext uri="{FF2B5EF4-FFF2-40B4-BE49-F238E27FC236}">
+                <a16:creationId xmlns:a16="http://schemas.microsoft.com/office/drawing/2014/main" id="{B100DE9A-4601-8E45-A929-090520468135}"/>
+              </a:ext>
+            </a:extLst>
+          </p:cNvPr>
+          <p:cNvSpPr/>
+          <p:nvPr/>
+        </p:nvSpPr>
+        <p:spPr>
+          <a:xfrm>
+            <a:off x="0" y="0"/>
+            <a:ext cx="12192000" cy="6858000"/>
+          </a:xfrm>
+          <a:prstGeom prst="rect">
+            <a:avLst/>
+          </a:prstGeom>
+          <a:solidFill>
+            <a:schemeClr val="tx1">
+              <a:lumMod val="75000"/>
+              <a:lumOff val="25000"/>
+            </a:schemeClr>
+          </a:solidFill>
+        </p:spPr>
+        <p:style>
+          <a:lnRef idx="2">
+            <a:schemeClr val="accent1">
+              <a:shade val="50000"/>
+            </a:schemeClr>
+          </a:lnRef>
+          <a:fillRef idx="1">
+            <a:schemeClr val="accent1"/>
+          </a:fillRef>
+          <a:effectRef idx="0">
+            <a:schemeClr val="accent1"/>
+          </a:effectRef>
+          <a:fontRef idx="minor">
+            <a:schemeClr val="lt1"/>
+          </a:fontRef>
+        </p:style>
+        <p:txBody>
+          <a:bodyPr rtlCol="0" anchor="ctr"/>
+          <a:lstStyle/>
+          <a:p>
+            <a:pPr algn="ctr"/>
+            <a:endParaRPr lang="en-US"/>
+          </a:p>
+        </p:txBody>
+      </p:sp>
+      <p:sp>
+        <p:nvSpPr>
+          <p:cNvPr id="2" name="TextBox 1">
+            <a:extLst>
+              <a:ext uri="{FF2B5EF4-FFF2-40B4-BE49-F238E27FC236}">
+                <a16:creationId xmlns:a16="http://schemas.microsoft.com/office/drawing/2014/main" id="{BB57234E-2283-A64D-BC32-D7086B035DEE}"/>
+              </a:ext>
+            </a:extLst>
+          </p:cNvPr>
+          <p:cNvSpPr txBox="1"/>
+          <p:nvPr/>
+        </p:nvSpPr>
+        <p:spPr>
+          <a:xfrm>
+            <a:off x="220129" y="2151728"/>
+            <a:ext cx="11751743" cy="2554545"/>
+          </a:xfrm>
+          <a:prstGeom prst="rect">
+            <a:avLst/>
+          </a:prstGeom>
+          <a:noFill/>
+        </p:spPr>
+        <p:txBody>
+          <a:bodyPr wrap="none" rtlCol="0">
+            <a:spAutoFit/>
+          </a:bodyPr>
+          <a:lstStyle/>
+          <a:p>
+            <a:pPr algn="ctr"/>
+            <a:r>
+              <a:rPr lang="en-US" sz="16000" b="1" dirty="0">
+                <a:solidFill>
+                  <a:schemeClr val="bg1">
+                    <a:lumMod val="85000"/>
+                  </a:schemeClr>
+                </a:solidFill>
+                <a:latin typeface="Arial Narrow" panose="020B0604020202020204" pitchFamily="34" charset="0"/>
+                <a:cs typeface="Arial Narrow" panose="020B0604020202020204" pitchFamily="34" charset="0"/>
+              </a:rPr>
+              <a:t>Demo     Video</a:t>
+            </a:r>
+          </a:p>
+        </p:txBody>
+      </p:sp>
+      <p:sp>
+        <p:nvSpPr>
+          <p:cNvPr id="10" name="Rectangle 9">
+            <a:extLst>
+              <a:ext uri="{FF2B5EF4-FFF2-40B4-BE49-F238E27FC236}">
+                <a16:creationId xmlns:a16="http://schemas.microsoft.com/office/drawing/2014/main" id="{03C4B759-3F78-4044-8532-61D14F15C2A3}"/>
+              </a:ext>
+            </a:extLst>
+          </p:cNvPr>
+          <p:cNvSpPr/>
+          <p:nvPr/>
+        </p:nvSpPr>
+        <p:spPr>
+          <a:xfrm>
+            <a:off x="5398214" y="0"/>
+            <a:ext cx="1395573" cy="6858000"/>
+          </a:xfrm>
+          <a:prstGeom prst="rect">
+            <a:avLst/>
+          </a:prstGeom>
+          <a:solidFill>
+            <a:schemeClr val="tx1">
+              <a:lumMod val="85000"/>
+              <a:lumOff val="15000"/>
+            </a:schemeClr>
+          </a:solidFill>
+          <a:ln>
+            <a:noFill/>
+          </a:ln>
+        </p:spPr>
+        <p:style>
+          <a:lnRef idx="2">
+            <a:schemeClr val="accent1">
+              <a:shade val="50000"/>
+            </a:schemeClr>
+          </a:lnRef>
+          <a:fillRef idx="1">
+            <a:schemeClr val="accent1"/>
+          </a:fillRef>
+          <a:effectRef idx="0">
+            <a:schemeClr val="accent1"/>
+          </a:effectRef>
+          <a:fontRef idx="minor">
+            <a:schemeClr val="lt1"/>
+          </a:fontRef>
+        </p:style>
+        <p:txBody>
+          <a:bodyPr rtlCol="0" anchor="ctr"/>
+          <a:lstStyle/>
+          <a:p>
+            <a:pPr algn="ctr"/>
+            <a:endParaRPr lang="en-US" dirty="0"/>
+          </a:p>
+        </p:txBody>
+      </p:sp>
+    </p:spTree>
+    <p:extLst>
+      <p:ext uri="{BB962C8B-B14F-4D97-AF65-F5344CB8AC3E}">
+        <p14:creationId xmlns:p14="http://schemas.microsoft.com/office/powerpoint/2010/main" val="1349766613"/>
+      </p:ext>
+    </p:extLst>
+  </p:cSld>
+  <p:clrMapOvr>
+    <a:masterClrMapping/>
+  </p:clrMapOvr>
+</p:sld>
+</file>
+
+<file path=ppt/slides/slide3.xml><?xml version="1.0" encoding="utf-8"?>
+<p:sld xmlns:a="http://schemas.openxmlformats.org/drawingml/2006/main" xmlns:r="http://schemas.openxmlformats.org/officeDocument/2006/relationships" xmlns:p="http://schemas.openxmlformats.org/presentationml/2006/main">
+  <p:cSld>
+    <p:spTree>
+      <p:nvGrpSpPr>
+        <p:cNvPr id="1" name=""/>
+        <p:cNvGrpSpPr/>
+        <p:nvPr/>
+      </p:nvGrpSpPr>
+      <p:grpSpPr>
+        <a:xfrm>
+          <a:off x="0" y="0"/>
+          <a:ext cx="0" cy="0"/>
+          <a:chOff x="0" y="0"/>
+          <a:chExt cx="0" cy="0"/>
+        </a:xfrm>
+      </p:grpSpPr>
+      <p:sp>
+        <p:nvSpPr>
           <p:cNvPr id="3" name="Rectangle 2">
             <a:extLst>
               <a:ext uri="{FF2B5EF4-FFF2-40B4-BE49-F238E27FC236}">

--- a/graphics/graphics.pptx
+++ b/graphics/graphics.pptx
@@ -3583,6 +3583,9 @@
               <a:lumOff val="25000"/>
             </a:schemeClr>
           </a:solidFill>
+          <a:ln>
+            <a:noFill/>
+          </a:ln>
         </p:spPr>
         <p:style>
           <a:lnRef idx="2">

--- a/graphics/graphics.pptx
+++ b/graphics/graphics.pptx
@@ -261,7 +261,7 @@
           <a:p>
             <a:fld id="{F029AC13-4324-FA42-95DE-A805E72DB70F}" type="datetimeFigureOut">
               <a:rPr lang="en-US" smtClean="0"/>
-              <a:t>9/3/19</a:t>
+              <a:t>9/10/19</a:t>
             </a:fld>
             <a:endParaRPr lang="en-US"/>
           </a:p>
@@ -459,7 +459,7 @@
           <a:p>
             <a:fld id="{F029AC13-4324-FA42-95DE-A805E72DB70F}" type="datetimeFigureOut">
               <a:rPr lang="en-US" smtClean="0"/>
-              <a:t>9/3/19</a:t>
+              <a:t>9/10/19</a:t>
             </a:fld>
             <a:endParaRPr lang="en-US"/>
           </a:p>
@@ -667,7 +667,7 @@
           <a:p>
             <a:fld id="{F029AC13-4324-FA42-95DE-A805E72DB70F}" type="datetimeFigureOut">
               <a:rPr lang="en-US" smtClean="0"/>
-              <a:t>9/3/19</a:t>
+              <a:t>9/10/19</a:t>
             </a:fld>
             <a:endParaRPr lang="en-US"/>
           </a:p>
@@ -865,7 +865,7 @@
           <a:p>
             <a:fld id="{F029AC13-4324-FA42-95DE-A805E72DB70F}" type="datetimeFigureOut">
               <a:rPr lang="en-US" smtClean="0"/>
-              <a:t>9/3/19</a:t>
+              <a:t>9/10/19</a:t>
             </a:fld>
             <a:endParaRPr lang="en-US"/>
           </a:p>
@@ -1140,7 +1140,7 @@
           <a:p>
             <a:fld id="{F029AC13-4324-FA42-95DE-A805E72DB70F}" type="datetimeFigureOut">
               <a:rPr lang="en-US" smtClean="0"/>
-              <a:t>9/3/19</a:t>
+              <a:t>9/10/19</a:t>
             </a:fld>
             <a:endParaRPr lang="en-US"/>
           </a:p>
@@ -1405,7 +1405,7 @@
           <a:p>
             <a:fld id="{F029AC13-4324-FA42-95DE-A805E72DB70F}" type="datetimeFigureOut">
               <a:rPr lang="en-US" smtClean="0"/>
-              <a:t>9/3/19</a:t>
+              <a:t>9/10/19</a:t>
             </a:fld>
             <a:endParaRPr lang="en-US"/>
           </a:p>
@@ -1817,7 +1817,7 @@
           <a:p>
             <a:fld id="{F029AC13-4324-FA42-95DE-A805E72DB70F}" type="datetimeFigureOut">
               <a:rPr lang="en-US" smtClean="0"/>
-              <a:t>9/3/19</a:t>
+              <a:t>9/10/19</a:t>
             </a:fld>
             <a:endParaRPr lang="en-US"/>
           </a:p>
@@ -1958,7 +1958,7 @@
           <a:p>
             <a:fld id="{F029AC13-4324-FA42-95DE-A805E72DB70F}" type="datetimeFigureOut">
               <a:rPr lang="en-US" smtClean="0"/>
-              <a:t>9/3/19</a:t>
+              <a:t>9/10/19</a:t>
             </a:fld>
             <a:endParaRPr lang="en-US"/>
           </a:p>
@@ -2071,7 +2071,7 @@
           <a:p>
             <a:fld id="{F029AC13-4324-FA42-95DE-A805E72DB70F}" type="datetimeFigureOut">
               <a:rPr lang="en-US" smtClean="0"/>
-              <a:t>9/3/19</a:t>
+              <a:t>9/10/19</a:t>
             </a:fld>
             <a:endParaRPr lang="en-US"/>
           </a:p>
@@ -2382,7 +2382,7 @@
           <a:p>
             <a:fld id="{F029AC13-4324-FA42-95DE-A805E72DB70F}" type="datetimeFigureOut">
               <a:rPr lang="en-US" smtClean="0"/>
-              <a:t>9/3/19</a:t>
+              <a:t>9/10/19</a:t>
             </a:fld>
             <a:endParaRPr lang="en-US"/>
           </a:p>
@@ -2670,7 +2670,7 @@
           <a:p>
             <a:fld id="{F029AC13-4324-FA42-95DE-A805E72DB70F}" type="datetimeFigureOut">
               <a:rPr lang="en-US" smtClean="0"/>
-              <a:t>9/3/19</a:t>
+              <a:t>9/10/19</a:t>
             </a:fld>
             <a:endParaRPr lang="en-US"/>
           </a:p>
@@ -2911,7 +2911,7 @@
           <a:p>
             <a:fld id="{F029AC13-4324-FA42-95DE-A805E72DB70F}" type="datetimeFigureOut">
               <a:rPr lang="en-US" smtClean="0"/>
-              <a:t>9/3/19</a:t>
+              <a:t>9/10/19</a:t>
             </a:fld>
             <a:endParaRPr lang="en-US"/>
           </a:p>
@@ -3762,6 +3762,218 @@
             <a:avLst/>
           </a:prstGeom>
           <a:solidFill>
+            <a:schemeClr val="bg1"/>
+          </a:solidFill>
+          <a:ln>
+            <a:noFill/>
+          </a:ln>
+        </p:spPr>
+        <p:style>
+          <a:lnRef idx="2">
+            <a:schemeClr val="accent1">
+              <a:shade val="50000"/>
+            </a:schemeClr>
+          </a:lnRef>
+          <a:fillRef idx="1">
+            <a:schemeClr val="accent1"/>
+          </a:fillRef>
+          <a:effectRef idx="0">
+            <a:schemeClr val="accent1"/>
+          </a:effectRef>
+          <a:fontRef idx="minor">
+            <a:schemeClr val="lt1"/>
+          </a:fontRef>
+        </p:style>
+        <p:txBody>
+          <a:bodyPr rtlCol="0" anchor="ctr"/>
+          <a:lstStyle/>
+          <a:p>
+            <a:pPr algn="ctr"/>
+            <a:endParaRPr lang="en-US"/>
+          </a:p>
+        </p:txBody>
+      </p:sp>
+      <p:sp>
+        <p:nvSpPr>
+          <p:cNvPr id="2" name="Diamond 1">
+            <a:extLst>
+              <a:ext uri="{FF2B5EF4-FFF2-40B4-BE49-F238E27FC236}">
+                <a16:creationId xmlns:a16="http://schemas.microsoft.com/office/drawing/2014/main" id="{62DB1606-7396-8349-B226-B2BBB37103BB}"/>
+              </a:ext>
+            </a:extLst>
+          </p:cNvPr>
+          <p:cNvSpPr/>
+          <p:nvPr/>
+        </p:nvSpPr>
+        <p:spPr>
+          <a:xfrm>
+            <a:off x="3075868" y="410135"/>
+            <a:ext cx="5850738" cy="2020405"/>
+          </a:xfrm>
+          <a:prstGeom prst="diamond">
+            <a:avLst/>
+          </a:prstGeom>
+          <a:solidFill>
+            <a:srgbClr val="330000"/>
+          </a:solidFill>
+          <a:ln w="152400" cap="flat">
+            <a:noFill/>
+          </a:ln>
+        </p:spPr>
+        <p:style>
+          <a:lnRef idx="2">
+            <a:schemeClr val="accent1">
+              <a:shade val="50000"/>
+            </a:schemeClr>
+          </a:lnRef>
+          <a:fillRef idx="1">
+            <a:schemeClr val="accent1"/>
+          </a:fillRef>
+          <a:effectRef idx="0">
+            <a:schemeClr val="accent1"/>
+          </a:effectRef>
+          <a:fontRef idx="minor">
+            <a:schemeClr val="lt1"/>
+          </a:fontRef>
+        </p:style>
+        <p:txBody>
+          <a:bodyPr rtlCol="0" anchor="ctr"/>
+          <a:lstStyle/>
+          <a:p>
+            <a:pPr algn="ctr"/>
+            <a:endParaRPr lang="en-US" dirty="0"/>
+          </a:p>
+        </p:txBody>
+      </p:sp>
+      <p:sp>
+        <p:nvSpPr>
+          <p:cNvPr id="4" name="Parallelogram 3">
+            <a:extLst>
+              <a:ext uri="{FF2B5EF4-FFF2-40B4-BE49-F238E27FC236}">
+                <a16:creationId xmlns:a16="http://schemas.microsoft.com/office/drawing/2014/main" id="{A3AFD89E-DF22-B44A-A8FE-2325C7EACEAE}"/>
+              </a:ext>
+            </a:extLst>
+          </p:cNvPr>
+          <p:cNvSpPr/>
+          <p:nvPr/>
+        </p:nvSpPr>
+        <p:spPr>
+          <a:xfrm rot="5400000">
+            <a:off x="2350435" y="2138923"/>
+            <a:ext cx="4386260" cy="2924176"/>
+          </a:xfrm>
+          <a:prstGeom prst="parallelogram">
+            <a:avLst>
+              <a:gd name="adj" fmla="val 34781"/>
+            </a:avLst>
+          </a:prstGeom>
+          <a:solidFill>
+            <a:srgbClr val="990000"/>
+          </a:solidFill>
+          <a:ln w="152400">
+            <a:noFill/>
+          </a:ln>
+        </p:spPr>
+        <p:style>
+          <a:lnRef idx="2">
+            <a:schemeClr val="accent1">
+              <a:shade val="50000"/>
+            </a:schemeClr>
+          </a:lnRef>
+          <a:fillRef idx="1">
+            <a:schemeClr val="accent1"/>
+          </a:fillRef>
+          <a:effectRef idx="0">
+            <a:schemeClr val="accent1"/>
+          </a:effectRef>
+          <a:fontRef idx="minor">
+            <a:schemeClr val="lt1"/>
+          </a:fontRef>
+        </p:style>
+        <p:txBody>
+          <a:bodyPr rtlCol="0" anchor="ctr"/>
+          <a:lstStyle/>
+          <a:p>
+            <a:pPr algn="ctr"/>
+            <a:endParaRPr lang="en-US" dirty="0"/>
+          </a:p>
+        </p:txBody>
+      </p:sp>
+      <p:sp>
+        <p:nvSpPr>
+          <p:cNvPr id="5" name="Parallelogram 4">
+            <a:extLst>
+              <a:ext uri="{FF2B5EF4-FFF2-40B4-BE49-F238E27FC236}">
+                <a16:creationId xmlns:a16="http://schemas.microsoft.com/office/drawing/2014/main" id="{F3A85F84-EA64-9E43-90AF-988369C35FA1}"/>
+              </a:ext>
+            </a:extLst>
+          </p:cNvPr>
+          <p:cNvSpPr/>
+          <p:nvPr/>
+        </p:nvSpPr>
+        <p:spPr>
+          <a:xfrm rot="16200000" flipH="1">
+            <a:off x="5273674" y="2136442"/>
+            <a:ext cx="4400548" cy="2932207"/>
+          </a:xfrm>
+          <a:prstGeom prst="parallelogram">
+            <a:avLst>
+              <a:gd name="adj" fmla="val 34781"/>
+            </a:avLst>
+          </a:prstGeom>
+          <a:solidFill>
+            <a:srgbClr val="FF0000"/>
+          </a:solidFill>
+          <a:ln w="152400">
+            <a:noFill/>
+          </a:ln>
+        </p:spPr>
+        <p:style>
+          <a:lnRef idx="2">
+            <a:schemeClr val="accent1">
+              <a:shade val="50000"/>
+            </a:schemeClr>
+          </a:lnRef>
+          <a:fillRef idx="1">
+            <a:schemeClr val="accent1"/>
+          </a:fillRef>
+          <a:effectRef idx="0">
+            <a:schemeClr val="accent1"/>
+          </a:effectRef>
+          <a:fontRef idx="minor">
+            <a:schemeClr val="lt1"/>
+          </a:fontRef>
+        </p:style>
+        <p:txBody>
+          <a:bodyPr rtlCol="0" anchor="ctr"/>
+          <a:lstStyle/>
+          <a:p>
+            <a:pPr algn="ctr"/>
+            <a:endParaRPr lang="en-US" dirty="0"/>
+          </a:p>
+        </p:txBody>
+      </p:sp>
+      <p:sp>
+        <p:nvSpPr>
+          <p:cNvPr id="6" name="Rectangle 5">
+            <a:extLst>
+              <a:ext uri="{FF2B5EF4-FFF2-40B4-BE49-F238E27FC236}">
+                <a16:creationId xmlns:a16="http://schemas.microsoft.com/office/drawing/2014/main" id="{1AB94025-9D76-BB45-9DBE-34B49487392F}"/>
+              </a:ext>
+            </a:extLst>
+          </p:cNvPr>
+          <p:cNvSpPr/>
+          <p:nvPr/>
+        </p:nvSpPr>
+        <p:spPr>
+          <a:xfrm>
+            <a:off x="9245156" y="-79022"/>
+            <a:ext cx="2923822" cy="6858000"/>
+          </a:xfrm>
+          <a:prstGeom prst="rect">
+            <a:avLst/>
+          </a:prstGeom>
+          <a:solidFill>
             <a:schemeClr val="tx1"/>
           </a:solidFill>
           <a:ln>
@@ -3789,16 +4001,16 @@
           <a:lstStyle/>
           <a:p>
             <a:pPr algn="ctr"/>
-            <a:endParaRPr lang="en-US"/>
-          </a:p>
-        </p:txBody>
-      </p:sp>
-      <p:sp>
-        <p:nvSpPr>
-          <p:cNvPr id="2" name="Diamond 1">
-            <a:extLst>
-              <a:ext uri="{FF2B5EF4-FFF2-40B4-BE49-F238E27FC236}">
-                <a16:creationId xmlns:a16="http://schemas.microsoft.com/office/drawing/2014/main" id="{62DB1606-7396-8349-B226-B2BBB37103BB}"/>
+            <a:endParaRPr lang="en-US" dirty="0"/>
+          </a:p>
+        </p:txBody>
+      </p:sp>
+      <p:sp>
+        <p:nvSpPr>
+          <p:cNvPr id="7" name="Rectangle 6">
+            <a:extLst>
+              <a:ext uri="{FF2B5EF4-FFF2-40B4-BE49-F238E27FC236}">
+                <a16:creationId xmlns:a16="http://schemas.microsoft.com/office/drawing/2014/main" id="{91AD312F-AEA5-3E42-A580-4898E2B2C003}"/>
               </a:ext>
             </a:extLst>
           </p:cNvPr>
@@ -3807,19 +4019,17 @@
         </p:nvSpPr>
         <p:spPr>
           <a:xfrm>
-            <a:off x="3313951" y="446315"/>
-            <a:ext cx="5564098" cy="1937657"/>
+            <a:off x="-129568" y="14990"/>
+            <a:ext cx="2923822" cy="6858000"/>
           </a:xfrm>
-          <a:prstGeom prst="diamond">
+          <a:prstGeom prst="rect">
             <a:avLst/>
           </a:prstGeom>
           <a:solidFill>
-            <a:srgbClr val="990000"/>
+            <a:schemeClr val="tx1"/>
           </a:solidFill>
-          <a:ln w="152400" cap="flat">
-            <a:solidFill>
-              <a:schemeClr val="bg1"/>
-            </a:solidFill>
+          <a:ln>
+            <a:noFill/>
           </a:ln>
         </p:spPr>
         <p:style>
@@ -3849,10 +4059,10 @@
       </p:sp>
       <p:sp>
         <p:nvSpPr>
-          <p:cNvPr id="4" name="Parallelogram 3">
-            <a:extLst>
-              <a:ext uri="{FF2B5EF4-FFF2-40B4-BE49-F238E27FC236}">
-                <a16:creationId xmlns:a16="http://schemas.microsoft.com/office/drawing/2014/main" id="{A3AFD89E-DF22-B44A-A8FE-2325C7EACEAE}"/>
+          <p:cNvPr id="8" name="Diamond 7">
+            <a:extLst>
+              <a:ext uri="{FF2B5EF4-FFF2-40B4-BE49-F238E27FC236}">
+                <a16:creationId xmlns:a16="http://schemas.microsoft.com/office/drawing/2014/main" id="{680C9AE7-EA21-B340-98E5-B5D61D5DA24B}"/>
               </a:ext>
             </a:extLst>
           </p:cNvPr>
@@ -3860,22 +4070,18 @@
           <p:nvPr/>
         </p:nvSpPr>
         <p:spPr>
-          <a:xfrm rot="5400000">
-            <a:off x="2440780" y="2246203"/>
-            <a:ext cx="4386260" cy="2924176"/>
+          <a:xfrm>
+            <a:off x="-191075" y="-828445"/>
+            <a:ext cx="5850738" cy="2060871"/>
           </a:xfrm>
-          <a:prstGeom prst="parallelogram">
-            <a:avLst>
-              <a:gd name="adj" fmla="val 34781"/>
-            </a:avLst>
+          <a:prstGeom prst="diamond">
+            <a:avLst/>
           </a:prstGeom>
           <a:solidFill>
-            <a:srgbClr val="990000"/>
+            <a:schemeClr val="tx1"/>
           </a:solidFill>
-          <a:ln w="152400">
-            <a:solidFill>
-              <a:schemeClr val="bg1"/>
-            </a:solidFill>
+          <a:ln w="152400" cap="flat">
+            <a:noFill/>
           </a:ln>
         </p:spPr>
         <p:style>
@@ -3905,10 +4111,10 @@
       </p:sp>
       <p:sp>
         <p:nvSpPr>
-          <p:cNvPr id="5" name="Parallelogram 4">
-            <a:extLst>
-              <a:ext uri="{FF2B5EF4-FFF2-40B4-BE49-F238E27FC236}">
-                <a16:creationId xmlns:a16="http://schemas.microsoft.com/office/drawing/2014/main" id="{F3A85F84-EA64-9E43-90AF-988369C35FA1}"/>
+          <p:cNvPr id="9" name="Diamond 8">
+            <a:extLst>
+              <a:ext uri="{FF2B5EF4-FFF2-40B4-BE49-F238E27FC236}">
+                <a16:creationId xmlns:a16="http://schemas.microsoft.com/office/drawing/2014/main" id="{4A00767C-AE8A-7B47-8471-3DD05CEFA528}"/>
               </a:ext>
             </a:extLst>
           </p:cNvPr>
@@ -3916,8 +4122,272 @@
           <p:nvPr/>
         </p:nvSpPr>
         <p:spPr>
+          <a:xfrm>
+            <a:off x="6341262" y="-813455"/>
+            <a:ext cx="5850738" cy="2060871"/>
+          </a:xfrm>
+          <a:prstGeom prst="diamond">
+            <a:avLst/>
+          </a:prstGeom>
+          <a:solidFill>
+            <a:schemeClr val="tx1"/>
+          </a:solidFill>
+          <a:ln w="152400" cap="flat">
+            <a:noFill/>
+          </a:ln>
+        </p:spPr>
+        <p:style>
+          <a:lnRef idx="2">
+            <a:schemeClr val="accent1">
+              <a:shade val="50000"/>
+            </a:schemeClr>
+          </a:lnRef>
+          <a:fillRef idx="1">
+            <a:schemeClr val="accent1"/>
+          </a:fillRef>
+          <a:effectRef idx="0">
+            <a:schemeClr val="accent1"/>
+          </a:effectRef>
+          <a:fontRef idx="minor">
+            <a:schemeClr val="lt1"/>
+          </a:fontRef>
+        </p:style>
+        <p:txBody>
+          <a:bodyPr rtlCol="0" anchor="ctr"/>
+          <a:lstStyle/>
+          <a:p>
+            <a:pPr algn="ctr"/>
+            <a:endParaRPr lang="en-US" dirty="0"/>
+          </a:p>
+        </p:txBody>
+      </p:sp>
+      <p:sp>
+        <p:nvSpPr>
+          <p:cNvPr id="10" name="Diamond 9">
+            <a:extLst>
+              <a:ext uri="{FF2B5EF4-FFF2-40B4-BE49-F238E27FC236}">
+                <a16:creationId xmlns:a16="http://schemas.microsoft.com/office/drawing/2014/main" id="{7A494FDC-A433-AD45-B052-CB5B223E2181}"/>
+              </a:ext>
+            </a:extLst>
+          </p:cNvPr>
+          <p:cNvSpPr/>
+          <p:nvPr/>
+        </p:nvSpPr>
+        <p:spPr>
+          <a:xfrm>
+            <a:off x="4630995" y="-1422173"/>
+            <a:ext cx="5850738" cy="2060871"/>
+          </a:xfrm>
+          <a:prstGeom prst="diamond">
+            <a:avLst/>
+          </a:prstGeom>
+          <a:solidFill>
+            <a:schemeClr val="tx1"/>
+          </a:solidFill>
+          <a:ln w="152400" cap="flat">
+            <a:noFill/>
+          </a:ln>
+        </p:spPr>
+        <p:style>
+          <a:lnRef idx="2">
+            <a:schemeClr val="accent1">
+              <a:shade val="50000"/>
+            </a:schemeClr>
+          </a:lnRef>
+          <a:fillRef idx="1">
+            <a:schemeClr val="accent1"/>
+          </a:fillRef>
+          <a:effectRef idx="0">
+            <a:schemeClr val="accent1"/>
+          </a:effectRef>
+          <a:fontRef idx="minor">
+            <a:schemeClr val="lt1"/>
+          </a:fontRef>
+        </p:style>
+        <p:txBody>
+          <a:bodyPr rtlCol="0" anchor="ctr"/>
+          <a:lstStyle/>
+          <a:p>
+            <a:pPr algn="ctr"/>
+            <a:endParaRPr lang="en-US" dirty="0"/>
+          </a:p>
+        </p:txBody>
+      </p:sp>
+      <p:sp>
+        <p:nvSpPr>
+          <p:cNvPr id="11" name="Diamond 10">
+            <a:extLst>
+              <a:ext uri="{FF2B5EF4-FFF2-40B4-BE49-F238E27FC236}">
+                <a16:creationId xmlns:a16="http://schemas.microsoft.com/office/drawing/2014/main" id="{10712B90-39D9-9D4E-B278-5614FCDF4135}"/>
+              </a:ext>
+            </a:extLst>
+          </p:cNvPr>
+          <p:cNvSpPr/>
+          <p:nvPr/>
+        </p:nvSpPr>
+        <p:spPr>
+          <a:xfrm>
+            <a:off x="844766" y="-1189063"/>
+            <a:ext cx="5850738" cy="2060871"/>
+          </a:xfrm>
+          <a:prstGeom prst="diamond">
+            <a:avLst/>
+          </a:prstGeom>
+          <a:solidFill>
+            <a:schemeClr val="tx1"/>
+          </a:solidFill>
+          <a:ln w="152400" cap="flat">
+            <a:noFill/>
+          </a:ln>
+        </p:spPr>
+        <p:style>
+          <a:lnRef idx="2">
+            <a:schemeClr val="accent1">
+              <a:shade val="50000"/>
+            </a:schemeClr>
+          </a:lnRef>
+          <a:fillRef idx="1">
+            <a:schemeClr val="accent1"/>
+          </a:fillRef>
+          <a:effectRef idx="0">
+            <a:schemeClr val="accent1"/>
+          </a:effectRef>
+          <a:fontRef idx="minor">
+            <a:schemeClr val="lt1"/>
+          </a:fontRef>
+        </p:style>
+        <p:txBody>
+          <a:bodyPr rtlCol="0" anchor="ctr"/>
+          <a:lstStyle/>
+          <a:p>
+            <a:pPr algn="ctr"/>
+            <a:endParaRPr lang="en-US" dirty="0"/>
+          </a:p>
+        </p:txBody>
+      </p:sp>
+      <p:sp>
+        <p:nvSpPr>
+          <p:cNvPr id="12" name="Parallelogram 11">
+            <a:extLst>
+              <a:ext uri="{FF2B5EF4-FFF2-40B4-BE49-F238E27FC236}">
+                <a16:creationId xmlns:a16="http://schemas.microsoft.com/office/drawing/2014/main" id="{D2EF5716-56FB-BD42-8451-9018CFFC8A11}"/>
+              </a:ext>
+            </a:extLst>
+          </p:cNvPr>
+          <p:cNvSpPr/>
+          <p:nvPr/>
+        </p:nvSpPr>
+        <p:spPr>
+          <a:xfrm rot="5400000">
+            <a:off x="2004445" y="5678134"/>
+            <a:ext cx="4386260" cy="2924176"/>
+          </a:xfrm>
+          <a:prstGeom prst="parallelogram">
+            <a:avLst>
+              <a:gd name="adj" fmla="val 34781"/>
+            </a:avLst>
+          </a:prstGeom>
+          <a:solidFill>
+            <a:schemeClr val="tx1"/>
+          </a:solidFill>
+          <a:ln w="152400">
+            <a:noFill/>
+          </a:ln>
+        </p:spPr>
+        <p:style>
+          <a:lnRef idx="2">
+            <a:schemeClr val="accent1">
+              <a:shade val="50000"/>
+            </a:schemeClr>
+          </a:lnRef>
+          <a:fillRef idx="1">
+            <a:schemeClr val="accent1"/>
+          </a:fillRef>
+          <a:effectRef idx="0">
+            <a:schemeClr val="accent1"/>
+          </a:effectRef>
+          <a:fontRef idx="minor">
+            <a:schemeClr val="lt1"/>
+          </a:fontRef>
+        </p:style>
+        <p:txBody>
+          <a:bodyPr rtlCol="0" anchor="ctr"/>
+          <a:lstStyle/>
+          <a:p>
+            <a:pPr algn="ctr"/>
+            <a:endParaRPr lang="en-US" dirty="0"/>
+          </a:p>
+        </p:txBody>
+      </p:sp>
+      <p:sp>
+        <p:nvSpPr>
+          <p:cNvPr id="13" name="Parallelogram 12">
+            <a:extLst>
+              <a:ext uri="{FF2B5EF4-FFF2-40B4-BE49-F238E27FC236}">
+                <a16:creationId xmlns:a16="http://schemas.microsoft.com/office/drawing/2014/main" id="{68C7DA90-FBE6-C643-B005-FDB16576B880}"/>
+              </a:ext>
+            </a:extLst>
+          </p:cNvPr>
+          <p:cNvSpPr/>
+          <p:nvPr/>
+        </p:nvSpPr>
+        <p:spPr>
+          <a:xfrm rot="5400000">
+            <a:off x="3466533" y="6186771"/>
+            <a:ext cx="4386260" cy="2924176"/>
+          </a:xfrm>
+          <a:prstGeom prst="parallelogram">
+            <a:avLst>
+              <a:gd name="adj" fmla="val 34781"/>
+            </a:avLst>
+          </a:prstGeom>
+          <a:solidFill>
+            <a:schemeClr val="tx1"/>
+          </a:solidFill>
+          <a:ln w="152400">
+            <a:noFill/>
+          </a:ln>
+        </p:spPr>
+        <p:style>
+          <a:lnRef idx="2">
+            <a:schemeClr val="accent1">
+              <a:shade val="50000"/>
+            </a:schemeClr>
+          </a:lnRef>
+          <a:fillRef idx="1">
+            <a:schemeClr val="accent1"/>
+          </a:fillRef>
+          <a:effectRef idx="0">
+            <a:schemeClr val="accent1"/>
+          </a:effectRef>
+          <a:fontRef idx="minor">
+            <a:schemeClr val="lt1"/>
+          </a:fontRef>
+        </p:style>
+        <p:txBody>
+          <a:bodyPr rtlCol="0" anchor="ctr"/>
+          <a:lstStyle/>
+          <a:p>
+            <a:pPr algn="ctr"/>
+            <a:endParaRPr lang="en-US" dirty="0"/>
+          </a:p>
+        </p:txBody>
+      </p:sp>
+      <p:sp>
+        <p:nvSpPr>
+          <p:cNvPr id="14" name="Parallelogram 13">
+            <a:extLst>
+              <a:ext uri="{FF2B5EF4-FFF2-40B4-BE49-F238E27FC236}">
+                <a16:creationId xmlns:a16="http://schemas.microsoft.com/office/drawing/2014/main" id="{E718C3DF-894B-6746-8C11-9E8A8465B4A2}"/>
+              </a:ext>
+            </a:extLst>
+          </p:cNvPr>
+          <p:cNvSpPr/>
+          <p:nvPr/>
+        </p:nvSpPr>
+        <p:spPr>
           <a:xfrm rot="16200000" flipH="1">
-            <a:off x="5361828" y="2249332"/>
+            <a:off x="4925492" y="5900534"/>
             <a:ext cx="4400548" cy="2932207"/>
           </a:xfrm>
           <a:prstGeom prst="parallelogram">
@@ -3926,12 +4396,64 @@
             </a:avLst>
           </a:prstGeom>
           <a:solidFill>
-            <a:srgbClr val="990000"/>
+            <a:schemeClr val="tx1"/>
           </a:solidFill>
           <a:ln w="152400">
-            <a:solidFill>
-              <a:schemeClr val="bg1"/>
-            </a:solidFill>
+            <a:noFill/>
+          </a:ln>
+        </p:spPr>
+        <p:style>
+          <a:lnRef idx="2">
+            <a:schemeClr val="accent1">
+              <a:shade val="50000"/>
+            </a:schemeClr>
+          </a:lnRef>
+          <a:fillRef idx="1">
+            <a:schemeClr val="accent1"/>
+          </a:fillRef>
+          <a:effectRef idx="0">
+            <a:schemeClr val="accent1"/>
+          </a:effectRef>
+          <a:fontRef idx="minor">
+            <a:schemeClr val="lt1"/>
+          </a:fontRef>
+        </p:style>
+        <p:txBody>
+          <a:bodyPr rtlCol="0" anchor="ctr"/>
+          <a:lstStyle/>
+          <a:p>
+            <a:pPr algn="ctr"/>
+            <a:endParaRPr lang="en-US" dirty="0"/>
+          </a:p>
+        </p:txBody>
+      </p:sp>
+      <p:sp>
+        <p:nvSpPr>
+          <p:cNvPr id="15" name="Parallelogram 14">
+            <a:extLst>
+              <a:ext uri="{FF2B5EF4-FFF2-40B4-BE49-F238E27FC236}">
+                <a16:creationId xmlns:a16="http://schemas.microsoft.com/office/drawing/2014/main" id="{56A2403E-5046-894E-975D-C3672280E16F}"/>
+              </a:ext>
+            </a:extLst>
+          </p:cNvPr>
+          <p:cNvSpPr/>
+          <p:nvPr/>
+        </p:nvSpPr>
+        <p:spPr>
+          <a:xfrm rot="16200000" flipH="1">
+            <a:off x="7075081" y="5161633"/>
+            <a:ext cx="4400548" cy="2932207"/>
+          </a:xfrm>
+          <a:prstGeom prst="parallelogram">
+            <a:avLst>
+              <a:gd name="adj" fmla="val 34781"/>
+            </a:avLst>
+          </a:prstGeom>
+          <a:solidFill>
+            <a:schemeClr val="tx1"/>
+          </a:solidFill>
+          <a:ln w="152400">
+            <a:noFill/>
           </a:ln>
         </p:spPr>
         <p:style>

--- a/graphics/graphics.pptx
+++ b/graphics/graphics.pptx
@@ -6,8 +6,9 @@
   </p:sldMasterIdLst>
   <p:sldIdLst>
     <p:sldId id="256" r:id="rId2"/>
-    <p:sldId id="258" r:id="rId3"/>
-    <p:sldId id="257" r:id="rId4"/>
+    <p:sldId id="259" r:id="rId3"/>
+    <p:sldId id="258" r:id="rId4"/>
+    <p:sldId id="257" r:id="rId5"/>
   </p:sldIdLst>
   <p:sldSz cx="12192000" cy="6858000"/>
   <p:notesSz cx="6858000" cy="9144000"/>
@@ -261,7 +262,7 @@
           <a:p>
             <a:fld id="{F029AC13-4324-FA42-95DE-A805E72DB70F}" type="datetimeFigureOut">
               <a:rPr lang="en-US" smtClean="0"/>
-              <a:t>9/10/19</a:t>
+              <a:t>12/18/19</a:t>
             </a:fld>
             <a:endParaRPr lang="en-US"/>
           </a:p>
@@ -459,7 +460,7 @@
           <a:p>
             <a:fld id="{F029AC13-4324-FA42-95DE-A805E72DB70F}" type="datetimeFigureOut">
               <a:rPr lang="en-US" smtClean="0"/>
-              <a:t>9/10/19</a:t>
+              <a:t>12/18/19</a:t>
             </a:fld>
             <a:endParaRPr lang="en-US"/>
           </a:p>
@@ -667,7 +668,7 @@
           <a:p>
             <a:fld id="{F029AC13-4324-FA42-95DE-A805E72DB70F}" type="datetimeFigureOut">
               <a:rPr lang="en-US" smtClean="0"/>
-              <a:t>9/10/19</a:t>
+              <a:t>12/18/19</a:t>
             </a:fld>
             <a:endParaRPr lang="en-US"/>
           </a:p>
@@ -865,7 +866,7 @@
           <a:p>
             <a:fld id="{F029AC13-4324-FA42-95DE-A805E72DB70F}" type="datetimeFigureOut">
               <a:rPr lang="en-US" smtClean="0"/>
-              <a:t>9/10/19</a:t>
+              <a:t>12/18/19</a:t>
             </a:fld>
             <a:endParaRPr lang="en-US"/>
           </a:p>
@@ -1140,7 +1141,7 @@
           <a:p>
             <a:fld id="{F029AC13-4324-FA42-95DE-A805E72DB70F}" type="datetimeFigureOut">
               <a:rPr lang="en-US" smtClean="0"/>
-              <a:t>9/10/19</a:t>
+              <a:t>12/18/19</a:t>
             </a:fld>
             <a:endParaRPr lang="en-US"/>
           </a:p>
@@ -1405,7 +1406,7 @@
           <a:p>
             <a:fld id="{F029AC13-4324-FA42-95DE-A805E72DB70F}" type="datetimeFigureOut">
               <a:rPr lang="en-US" smtClean="0"/>
-              <a:t>9/10/19</a:t>
+              <a:t>12/18/19</a:t>
             </a:fld>
             <a:endParaRPr lang="en-US"/>
           </a:p>
@@ -1817,7 +1818,7 @@
           <a:p>
             <a:fld id="{F029AC13-4324-FA42-95DE-A805E72DB70F}" type="datetimeFigureOut">
               <a:rPr lang="en-US" smtClean="0"/>
-              <a:t>9/10/19</a:t>
+              <a:t>12/18/19</a:t>
             </a:fld>
             <a:endParaRPr lang="en-US"/>
           </a:p>
@@ -1958,7 +1959,7 @@
           <a:p>
             <a:fld id="{F029AC13-4324-FA42-95DE-A805E72DB70F}" type="datetimeFigureOut">
               <a:rPr lang="en-US" smtClean="0"/>
-              <a:t>9/10/19</a:t>
+              <a:t>12/18/19</a:t>
             </a:fld>
             <a:endParaRPr lang="en-US"/>
           </a:p>
@@ -2071,7 +2072,7 @@
           <a:p>
             <a:fld id="{F029AC13-4324-FA42-95DE-A805E72DB70F}" type="datetimeFigureOut">
               <a:rPr lang="en-US" smtClean="0"/>
-              <a:t>9/10/19</a:t>
+              <a:t>12/18/19</a:t>
             </a:fld>
             <a:endParaRPr lang="en-US"/>
           </a:p>
@@ -2382,7 +2383,7 @@
           <a:p>
             <a:fld id="{F029AC13-4324-FA42-95DE-A805E72DB70F}" type="datetimeFigureOut">
               <a:rPr lang="en-US" smtClean="0"/>
-              <a:t>9/10/19</a:t>
+              <a:t>12/18/19</a:t>
             </a:fld>
             <a:endParaRPr lang="en-US"/>
           </a:p>
@@ -2670,7 +2671,7 @@
           <a:p>
             <a:fld id="{F029AC13-4324-FA42-95DE-A805E72DB70F}" type="datetimeFigureOut">
               <a:rPr lang="en-US" smtClean="0"/>
-              <a:t>9/10/19</a:t>
+              <a:t>12/18/19</a:t>
             </a:fld>
             <a:endParaRPr lang="en-US"/>
           </a:p>
@@ -2911,7 +2912,7 @@
           <a:p>
             <a:fld id="{F029AC13-4324-FA42-95DE-A805E72DB70F}" type="datetimeFigureOut">
               <a:rPr lang="en-US" smtClean="0"/>
-              <a:t>9/10/19</a:t>
+              <a:t>12/18/19</a:t>
             </a:fld>
             <a:endParaRPr lang="en-US"/>
           </a:p>
@@ -3342,6 +3343,196 @@
         </p:nvGrpSpPr>
         <p:grpSpPr>
           <a:xfrm>
+            <a:off x="904661" y="1900241"/>
+            <a:ext cx="9464419" cy="2547078"/>
+            <a:chOff x="1116039" y="1276403"/>
+            <a:chExt cx="9464419" cy="2547078"/>
+          </a:xfrm>
+        </p:grpSpPr>
+        <p:sp>
+          <p:nvSpPr>
+            <p:cNvPr id="4" name="TextBox 3">
+              <a:extLst>
+                <a:ext uri="{FF2B5EF4-FFF2-40B4-BE49-F238E27FC236}">
+                  <a16:creationId xmlns:a16="http://schemas.microsoft.com/office/drawing/2014/main" id="{6594E95B-F5AE-034E-9197-5A52A032A098}"/>
+                </a:ext>
+              </a:extLst>
+            </p:cNvPr>
+            <p:cNvSpPr txBox="1"/>
+            <p:nvPr/>
+          </p:nvSpPr>
+          <p:spPr>
+            <a:xfrm>
+              <a:off x="1116039" y="1276403"/>
+              <a:ext cx="7581901" cy="1569660"/>
+            </a:xfrm>
+            <a:prstGeom prst="rect">
+              <a:avLst/>
+            </a:prstGeom>
+            <a:noFill/>
+          </p:spPr>
+          <p:txBody>
+            <a:bodyPr wrap="square" rtlCol="0">
+              <a:spAutoFit/>
+            </a:bodyPr>
+            <a:lstStyle/>
+            <a:p>
+              <a:pPr algn="ctr"/>
+              <a:r>
+                <a:rPr lang="en-US" sz="9600" b="1" i="1" spc="-400" dirty="0">
+                  <a:solidFill>
+                    <a:srgbClr val="990000"/>
+                  </a:solidFill>
+                  <a:latin typeface="Arial Narrow" panose="020B0604020202020204" pitchFamily="34" charset="0"/>
+                  <a:cs typeface="Arial Narrow" panose="020B0604020202020204" pitchFamily="34" charset="0"/>
+                </a:rPr>
+                <a:t>Ruby on Rails</a:t>
+              </a:r>
+            </a:p>
+          </p:txBody>
+        </p:sp>
+        <p:sp>
+          <p:nvSpPr>
+            <p:cNvPr id="6" name="TextBox 5">
+              <a:extLst>
+                <a:ext uri="{FF2B5EF4-FFF2-40B4-BE49-F238E27FC236}">
+                  <a16:creationId xmlns:a16="http://schemas.microsoft.com/office/drawing/2014/main" id="{098EC516-4321-2E40-98F4-DFA632EB2FB5}"/>
+                </a:ext>
+              </a:extLst>
+            </p:cNvPr>
+            <p:cNvSpPr txBox="1"/>
+            <p:nvPr/>
+          </p:nvSpPr>
+          <p:spPr>
+            <a:xfrm>
+              <a:off x="2998557" y="2253821"/>
+              <a:ext cx="7581901" cy="1569660"/>
+            </a:xfrm>
+            <a:prstGeom prst="rect">
+              <a:avLst/>
+            </a:prstGeom>
+            <a:noFill/>
+          </p:spPr>
+          <p:txBody>
+            <a:bodyPr wrap="square" rtlCol="0">
+              <a:spAutoFit/>
+            </a:bodyPr>
+            <a:lstStyle/>
+            <a:p>
+              <a:pPr algn="ctr"/>
+              <a:r>
+                <a:rPr lang="en-US" sz="9600" b="1" i="1" spc="-400" dirty="0">
+                  <a:solidFill>
+                    <a:srgbClr val="990000"/>
+                  </a:solidFill>
+                  <a:latin typeface="Arial Narrow" panose="020B0604020202020204" pitchFamily="34" charset="0"/>
+                  <a:cs typeface="Arial Narrow" panose="020B0604020202020204" pitchFamily="34" charset="0"/>
+                </a:rPr>
+                <a:t>Demos 'n' Deets</a:t>
+              </a:r>
+            </a:p>
+          </p:txBody>
+        </p:sp>
+      </p:grpSp>
+      <p:sp>
+        <p:nvSpPr>
+          <p:cNvPr id="3" name="Right Arrow 2">
+            <a:extLst>
+              <a:ext uri="{FF2B5EF4-FFF2-40B4-BE49-F238E27FC236}">
+                <a16:creationId xmlns:a16="http://schemas.microsoft.com/office/drawing/2014/main" id="{E722BDBE-D324-374D-84E3-6E0179880EAB}"/>
+              </a:ext>
+            </a:extLst>
+          </p:cNvPr>
+          <p:cNvSpPr/>
+          <p:nvPr/>
+        </p:nvSpPr>
+        <p:spPr>
+          <a:xfrm>
+            <a:off x="1204159" y="1367232"/>
+            <a:ext cx="10516786" cy="3720157"/>
+          </a:xfrm>
+          <a:prstGeom prst="rightArrow">
+            <a:avLst>
+              <a:gd name="adj1" fmla="val 73348"/>
+              <a:gd name="adj2" fmla="val 33876"/>
+            </a:avLst>
+          </a:prstGeom>
+          <a:noFill/>
+          <a:ln w="76200">
+            <a:solidFill>
+              <a:srgbClr val="990000"/>
+            </a:solidFill>
+          </a:ln>
+        </p:spPr>
+        <p:style>
+          <a:lnRef idx="2">
+            <a:schemeClr val="accent1">
+              <a:shade val="50000"/>
+            </a:schemeClr>
+          </a:lnRef>
+          <a:fillRef idx="1">
+            <a:schemeClr val="accent1"/>
+          </a:fillRef>
+          <a:effectRef idx="0">
+            <a:schemeClr val="accent1"/>
+          </a:effectRef>
+          <a:fontRef idx="minor">
+            <a:schemeClr val="lt1"/>
+          </a:fontRef>
+        </p:style>
+        <p:txBody>
+          <a:bodyPr rtlCol="0" anchor="ctr"/>
+          <a:lstStyle/>
+          <a:p>
+            <a:pPr algn="ctr"/>
+            <a:endParaRPr lang="en-US"/>
+          </a:p>
+        </p:txBody>
+      </p:sp>
+    </p:spTree>
+    <p:extLst>
+      <p:ext uri="{BB962C8B-B14F-4D97-AF65-F5344CB8AC3E}">
+        <p14:creationId xmlns:p14="http://schemas.microsoft.com/office/powerpoint/2010/main" val="3786149594"/>
+      </p:ext>
+    </p:extLst>
+  </p:cSld>
+  <p:clrMapOvr>
+    <a:masterClrMapping/>
+  </p:clrMapOvr>
+</p:sld>
+</file>
+
+<file path=ppt/slides/slide2.xml><?xml version="1.0" encoding="utf-8"?>
+<p:sld xmlns:a="http://schemas.openxmlformats.org/drawingml/2006/main" xmlns:r="http://schemas.openxmlformats.org/officeDocument/2006/relationships" xmlns:p="http://schemas.openxmlformats.org/presentationml/2006/main">
+  <p:cSld>
+    <p:spTree>
+      <p:nvGrpSpPr>
+        <p:cNvPr id="1" name=""/>
+        <p:cNvGrpSpPr/>
+        <p:nvPr/>
+      </p:nvGrpSpPr>
+      <p:grpSpPr>
+        <a:xfrm>
+          <a:off x="0" y="0"/>
+          <a:ext cx="0" cy="0"/>
+          <a:chOff x="0" y="0"/>
+          <a:chExt cx="0" cy="0"/>
+        </a:xfrm>
+      </p:grpSpPr>
+      <p:grpSp>
+        <p:nvGrpSpPr>
+          <p:cNvPr id="7" name="Group 6">
+            <a:extLst>
+              <a:ext uri="{FF2B5EF4-FFF2-40B4-BE49-F238E27FC236}">
+                <a16:creationId xmlns:a16="http://schemas.microsoft.com/office/drawing/2014/main" id="{960F0BC0-BA2C-8640-89FC-4C88E0B76600}"/>
+              </a:ext>
+            </a:extLst>
+          </p:cNvPr>
+          <p:cNvGrpSpPr/>
+          <p:nvPr/>
+        </p:nvGrpSpPr>
+        <p:grpSpPr>
+          <a:xfrm>
             <a:off x="2146165" y="964051"/>
             <a:ext cx="7740786" cy="2505014"/>
             <a:chOff x="2146165" y="964051"/>
@@ -3530,7 +3721,7 @@
     </p:spTree>
     <p:extLst>
       <p:ext uri="{BB962C8B-B14F-4D97-AF65-F5344CB8AC3E}">
-        <p14:creationId xmlns:p14="http://schemas.microsoft.com/office/powerpoint/2010/main" val="3786149594"/>
+        <p14:creationId xmlns:p14="http://schemas.microsoft.com/office/powerpoint/2010/main" val="132831794"/>
       </p:ext>
     </p:extLst>
   </p:cSld>
@@ -3540,7 +3731,7 @@
 </p:sld>
 </file>
 
-<file path=ppt/slides/slide2.xml><?xml version="1.0" encoding="utf-8"?>
+<file path=ppt/slides/slide3.xml><?xml version="1.0" encoding="utf-8"?>
 <p:sld xmlns:a="http://schemas.openxmlformats.org/drawingml/2006/main" xmlns:r="http://schemas.openxmlformats.org/officeDocument/2006/relationships" xmlns:p="http://schemas.openxmlformats.org/presentationml/2006/main">
   <p:cSld>
     <p:spTree>
@@ -3724,7 +3915,7 @@
 </p:sld>
 </file>
 
-<file path=ppt/slides/slide3.xml><?xml version="1.0" encoding="utf-8"?>
+<file path=ppt/slides/slide4.xml><?xml version="1.0" encoding="utf-8"?>
 <p:sld xmlns:a="http://schemas.openxmlformats.org/drawingml/2006/main" xmlns:r="http://schemas.openxmlformats.org/officeDocument/2006/relationships" xmlns:p="http://schemas.openxmlformats.org/presentationml/2006/main">
   <p:cSld>
     <p:spTree>
